--- a/Testing the hardware components.pptx
+++ b/Testing the hardware components.pptx
@@ -42,9 +42,20 @@
     <p:sldId id="290" r:id="rId36"/>
     <p:sldId id="291" r:id="rId37"/>
     <p:sldId id="292" r:id="rId38"/>
-    <p:sldId id="293" r:id="rId39"/>
-    <p:sldId id="294" r:id="rId40"/>
-    <p:sldId id="295" r:id="rId41"/>
+    <p:sldId id="296" r:id="rId39"/>
+    <p:sldId id="300" r:id="rId40"/>
+    <p:sldId id="297" r:id="rId41"/>
+    <p:sldId id="298" r:id="rId42"/>
+    <p:sldId id="299" r:id="rId43"/>
+    <p:sldId id="302" r:id="rId44"/>
+    <p:sldId id="303" r:id="rId45"/>
+    <p:sldId id="304" r:id="rId46"/>
+    <p:sldId id="305" r:id="rId47"/>
+    <p:sldId id="306" r:id="rId48"/>
+    <p:sldId id="293" r:id="rId49"/>
+    <p:sldId id="294" r:id="rId50"/>
+    <p:sldId id="301" r:id="rId51"/>
+    <p:sldId id="295" r:id="rId52"/>
   </p:sldIdLst>
   <p:sldSz cx="9144000" cy="6858000" type="screen4x3"/>
   <p:notesSz cx="6858000" cy="9144000"/>
@@ -772,7 +783,7 @@
             <a:fld id="{544213AF-26F6-41FA-8D85-E2C5388D6E58}" type="datetimeFigureOut">
               <a:rPr lang="en-US" smtClean="0"/>
               <a:pPr/>
-              <a:t>2/23/2021</a:t>
+              <a:t>3/1/2021</a:t>
             </a:fld>
             <a:endParaRPr lang="en-US" dirty="0">
               <a:solidFill>
@@ -984,7 +995,7 @@
             <a:fld id="{544213AF-26F6-41FA-8D85-E2C5388D6E58}" type="datetimeFigureOut">
               <a:rPr lang="en-US" smtClean="0"/>
               <a:pPr/>
-              <a:t>2/23/2021</a:t>
+              <a:t>3/1/2021</a:t>
             </a:fld>
             <a:endParaRPr lang="en-US"/>
           </a:p>
@@ -1171,7 +1182,7 @@
             <a:fld id="{544213AF-26F6-41FA-8D85-E2C5388D6E58}" type="datetimeFigureOut">
               <a:rPr lang="en-US" smtClean="0"/>
               <a:pPr/>
-              <a:t>2/23/2021</a:t>
+              <a:t>3/1/2021</a:t>
             </a:fld>
             <a:endParaRPr lang="en-US"/>
           </a:p>
@@ -1323,7 +1334,7 @@
             <a:fld id="{544213AF-26F6-41FA-8D85-E2C5388D6E58}" type="datetimeFigureOut">
               <a:rPr lang="en-US" smtClean="0"/>
               <a:pPr/>
-              <a:t>2/23/2021</a:t>
+              <a:t>3/1/2021</a:t>
             </a:fld>
             <a:endParaRPr lang="en-US"/>
           </a:p>
@@ -1580,7 +1591,7 @@
             <a:fld id="{544213AF-26F6-41FA-8D85-E2C5388D6E58}" type="datetimeFigureOut">
               <a:rPr lang="en-US" smtClean="0"/>
               <a:pPr/>
-              <a:t>2/23/2021</a:t>
+              <a:t>3/1/2021</a:t>
             </a:fld>
             <a:endParaRPr lang="en-US"/>
           </a:p>
@@ -1991,7 +2002,7 @@
             <a:fld id="{544213AF-26F6-41FA-8D85-E2C5388D6E58}" type="datetimeFigureOut">
               <a:rPr lang="en-US" smtClean="0"/>
               <a:pPr/>
-              <a:t>2/23/2021</a:t>
+              <a:t>3/1/2021</a:t>
             </a:fld>
             <a:endParaRPr lang="en-US"/>
           </a:p>
@@ -2439,7 +2450,7 @@
             <a:fld id="{544213AF-26F6-41FA-8D85-E2C5388D6E58}" type="datetimeFigureOut">
               <a:rPr lang="en-US" smtClean="0"/>
               <a:pPr/>
-              <a:t>2/23/2021</a:t>
+              <a:t>3/1/2021</a:t>
             </a:fld>
             <a:endParaRPr lang="en-US"/>
           </a:p>
@@ -2542,7 +2553,7 @@
             <a:fld id="{544213AF-26F6-41FA-8D85-E2C5388D6E58}" type="datetimeFigureOut">
               <a:rPr lang="en-US" smtClean="0"/>
               <a:pPr/>
-              <a:t>2/23/2021</a:t>
+              <a:t>3/1/2021</a:t>
             </a:fld>
             <a:endParaRPr lang="en-US"/>
           </a:p>
@@ -2665,7 +2676,7 @@
             <a:fld id="{544213AF-26F6-41FA-8D85-E2C5388D6E58}" type="datetimeFigureOut">
               <a:rPr lang="en-US" smtClean="0"/>
               <a:pPr/>
-              <a:t>2/23/2021</a:t>
+              <a:t>3/1/2021</a:t>
             </a:fld>
             <a:endParaRPr lang="en-US"/>
           </a:p>
@@ -2941,7 +2952,7 @@
             <a:fld id="{544213AF-26F6-41FA-8D85-E2C5388D6E58}" type="datetimeFigureOut">
               <a:rPr lang="en-US" smtClean="0"/>
               <a:pPr/>
-              <a:t>2/23/2021</a:t>
+              <a:t>3/1/2021</a:t>
             </a:fld>
             <a:endParaRPr lang="en-US"/>
           </a:p>
@@ -3148,7 +3159,7 @@
             <a:fld id="{544213AF-26F6-41FA-8D85-E2C5388D6E58}" type="datetimeFigureOut">
               <a:rPr lang="en-US" smtClean="0"/>
               <a:pPr/>
-              <a:t>2/23/2021</a:t>
+              <a:t>3/1/2021</a:t>
             </a:fld>
             <a:endParaRPr lang="en-US">
               <a:solidFill>
@@ -4271,7 +4282,7 @@
             <a:fld id="{544213AF-26F6-41FA-8D85-E2C5388D6E58}" type="datetimeFigureOut">
               <a:rPr lang="en-US" smtClean="0"/>
               <a:pPr/>
-              <a:t>2/23/2021</a:t>
+              <a:t>3/1/2021</a:t>
             </a:fld>
             <a:endParaRPr lang="en-US" sz="1000" dirty="0">
               <a:solidFill>
@@ -5058,11 +5069,7 @@
             </a:pPr>
             <a:r>
               <a:rPr lang="en-US" dirty="0" smtClean="0"/>
-              <a:t>Rain </a:t>
-            </a:r>
-            <a:r>
-              <a:rPr lang="en-US" dirty="0" smtClean="0"/>
-              <a:t>Sensor (model with an analog out)</a:t>
+              <a:t>Rain Sensor (model with an analog out)</a:t>
             </a:r>
           </a:p>
           <a:p>
@@ -6040,16 +6047,11 @@
               <a:rPr lang="en-IN" dirty="0" smtClean="0"/>
               <a:t> UV sensor module. It uses a UV photodiode, which can detect the 240-370nm range of light (which covers UVB and most of UVA spectrum). </a:t>
             </a:r>
-            <a:endParaRPr lang="en-IN" dirty="0" smtClean="0"/>
-          </a:p>
-          <a:p>
-            <a:r>
-              <a:rPr lang="en-IN" dirty="0" smtClean="0"/>
-              <a:t>The </a:t>
-            </a:r>
-            <a:r>
-              <a:rPr lang="en-IN" dirty="0" smtClean="0"/>
-              <a:t>signal level from the photodiode is very small, in the </a:t>
+          </a:p>
+          <a:p>
+            <a:r>
+              <a:rPr lang="en-IN" dirty="0" smtClean="0"/>
+              <a:t>The signal level from the photodiode is very small, in the </a:t>
             </a:r>
             <a:r>
               <a:rPr lang="en-IN" dirty="0" err="1" smtClean="0"/>
@@ -6146,16 +6148,11 @@
               <a:rPr lang="en-IN" dirty="0" smtClean="0"/>
               <a:t>This makes it better for simple projects. It also has a 'true' UV sensor instead of a calibrated light-sensor. How to Use Power the sensor and op-amp by connecting V+ to 2.7-5.5VDC and GND to power ground. </a:t>
             </a:r>
-            <a:endParaRPr lang="en-IN" dirty="0" smtClean="0"/>
-          </a:p>
-          <a:p>
-            <a:r>
-              <a:rPr lang="en-IN" dirty="0" smtClean="0"/>
-              <a:t>Then </a:t>
-            </a:r>
-            <a:r>
-              <a:rPr lang="en-IN" dirty="0" smtClean="0"/>
-              <a:t>read the </a:t>
+          </a:p>
+          <a:p>
+            <a:r>
+              <a:rPr lang="en-IN" dirty="0" smtClean="0"/>
+              <a:t>Then read the </a:t>
             </a:r>
             <a:r>
               <a:rPr lang="en-IN" dirty="0" err="1" smtClean="0"/>
@@ -7050,7 +7047,6 @@
               <a:rPr lang="en-US" dirty="0" smtClean="0"/>
               <a:t> display</a:t>
             </a:r>
-            <a:endParaRPr lang="en-US" dirty="0" smtClean="0"/>
           </a:p>
           <a:p>
             <a:pPr marL="431800" indent="-323850">
@@ -7125,11 +7121,7 @@
             </a:pPr>
             <a:r>
               <a:rPr lang="en-US" dirty="0" smtClean="0"/>
-              <a:t>Jumper </a:t>
-            </a:r>
-            <a:r>
-              <a:rPr lang="en-US" dirty="0" smtClean="0"/>
-              <a:t>Wires</a:t>
+              <a:t>Jumper Wires</a:t>
             </a:r>
           </a:p>
           <a:p>
@@ -8007,8 +7999,33 @@
             </a:r>
             <a:r>
               <a:rPr lang="en-IN" dirty="0" smtClean="0"/>
-              <a:t> module sim900</a:t>
-            </a:r>
+              <a:t> module </a:t>
+            </a:r>
+            <a:r>
+              <a:rPr lang="en-IN" dirty="0" smtClean="0"/>
+              <a:t>sim900</a:t>
+            </a:r>
+          </a:p>
+          <a:p>
+            <a:r>
+              <a:rPr lang="en-IN" dirty="0" smtClean="0"/>
+              <a:t>Dht11 sensor</a:t>
+            </a:r>
+          </a:p>
+          <a:p>
+            <a:r>
+              <a:rPr lang="en-IN" dirty="0" err="1" smtClean="0"/>
+              <a:t>Beaglebone</a:t>
+            </a:r>
+            <a:r>
+              <a:rPr lang="en-IN" dirty="0" smtClean="0"/>
+              <a:t> </a:t>
+            </a:r>
+            <a:r>
+              <a:rPr lang="en-IN" smtClean="0"/>
+              <a:t>black wireless</a:t>
+            </a:r>
+            <a:endParaRPr lang="en-IN" dirty="0" smtClean="0"/>
           </a:p>
           <a:p>
             <a:r>
@@ -8944,119 +8961,85 @@
         </p:nvSpPr>
         <p:spPr/>
         <p:txBody>
+          <a:bodyPr/>
+          <a:lstStyle/>
+          <a:p>
+            <a:r>
+              <a:rPr lang="en-IN" dirty="0" smtClean="0"/>
+              <a:t>Testing requirements</a:t>
+            </a:r>
+          </a:p>
+          <a:p>
+            <a:r>
+              <a:rPr lang="en-IN" dirty="0" smtClean="0"/>
+              <a:t>DHT11 sensor module</a:t>
+            </a:r>
+          </a:p>
+          <a:p>
+            <a:r>
+              <a:rPr lang="en-IN" dirty="0" smtClean="0"/>
+              <a:t>Jumper wires</a:t>
+            </a:r>
+          </a:p>
+          <a:p>
+            <a:r>
+              <a:rPr lang="en-IN" dirty="0" err="1" smtClean="0"/>
+              <a:t>Arduino</a:t>
+            </a:r>
+            <a:r>
+              <a:rPr lang="en-IN" dirty="0" smtClean="0"/>
+              <a:t> </a:t>
+            </a:r>
+            <a:r>
+              <a:rPr lang="en-IN" dirty="0" err="1" smtClean="0"/>
+              <a:t>uno</a:t>
+            </a:r>
+            <a:endParaRPr lang="en-IN" dirty="0" smtClean="0"/>
+          </a:p>
+          <a:p>
+            <a:r>
+              <a:rPr lang="en-IN" dirty="0" err="1" smtClean="0"/>
+              <a:t>Arduino</a:t>
+            </a:r>
+            <a:r>
+              <a:rPr lang="en-IN" dirty="0" smtClean="0"/>
+              <a:t> </a:t>
+            </a:r>
+            <a:r>
+              <a:rPr lang="en-IN" dirty="0" err="1" smtClean="0"/>
+              <a:t>ide</a:t>
+            </a:r>
+            <a:endParaRPr lang="en-IN" dirty="0" smtClean="0"/>
+          </a:p>
+          <a:p>
+            <a:r>
+              <a:rPr lang="en-IN" dirty="0" smtClean="0"/>
+              <a:t>DHT library</a:t>
+            </a:r>
+            <a:endParaRPr lang="en-IN" dirty="0"/>
+          </a:p>
+        </p:txBody>
+      </p:sp>
+      <p:sp>
+        <p:nvSpPr>
+          <p:cNvPr id="3" name="Title 2"/>
+          <p:cNvSpPr>
+            <a:spLocks noGrp="1"/>
+          </p:cNvSpPr>
+          <p:nvPr>
+            <p:ph type="title"/>
+          </p:nvPr>
+        </p:nvSpPr>
+        <p:spPr/>
+        <p:txBody>
           <a:bodyPr>
-            <a:normAutofit lnSpcReduction="10000"/>
+            <a:normAutofit fontScale="90000"/>
           </a:bodyPr>
           <a:lstStyle/>
           <a:p>
             <a:r>
               <a:rPr lang="en-IN" dirty="0" smtClean="0"/>
-              <a:t>For </a:t>
-            </a:r>
-            <a:r>
-              <a:rPr lang="en-IN" dirty="0" err="1" smtClean="0"/>
-              <a:t>Arduino</a:t>
-            </a:r>
-            <a:r>
-              <a:rPr lang="en-IN" dirty="0" smtClean="0"/>
-              <a:t> </a:t>
-            </a:r>
-            <a:r>
-              <a:rPr lang="en-IN" dirty="0" err="1" smtClean="0"/>
-              <a:t>uno</a:t>
-            </a:r>
-            <a:r>
-              <a:rPr lang="en-IN" dirty="0" smtClean="0"/>
-              <a:t>.</a:t>
-            </a:r>
-          </a:p>
-          <a:p>
-            <a:r>
-              <a:rPr lang="en-US" dirty="0" smtClean="0">
-                <a:hlinkClick r:id="rId2"/>
-              </a:rPr>
-              <a:t>https://www.arduino.cc/en/Tutorial/BuiltInExamples/Blink</a:t>
-            </a:r>
-          </a:p>
-          <a:p>
-            <a:endParaRPr lang="en-IN" dirty="0" smtClean="0"/>
-          </a:p>
-          <a:p>
-            <a:r>
-              <a:rPr lang="en-IN" dirty="0" smtClean="0"/>
-              <a:t>For rain water sensor module</a:t>
-            </a:r>
-          </a:p>
-          <a:p>
-            <a:r>
-              <a:rPr lang="en-US" dirty="0" smtClean="0">
-                <a:hlinkClick r:id="rId3"/>
-              </a:rPr>
-              <a:t>https://</a:t>
-            </a:r>
-            <a:r>
-              <a:rPr lang="en-US" dirty="0" smtClean="0">
-                <a:hlinkClick r:id="rId3"/>
-              </a:rPr>
-              <a:t>www.instructables.com/Arduino-Modules-Rain-Sensor</a:t>
-            </a:r>
-            <a:endParaRPr lang="en-US" dirty="0" smtClean="0"/>
-          </a:p>
-          <a:p>
-            <a:endParaRPr lang="en-US" dirty="0" smtClean="0"/>
-          </a:p>
-          <a:p>
-            <a:r>
-              <a:rPr lang="en-US" dirty="0" smtClean="0"/>
-              <a:t>For </a:t>
-            </a:r>
-            <a:r>
-              <a:rPr lang="en-US" dirty="0" err="1" smtClean="0"/>
-              <a:t>uv</a:t>
-            </a:r>
-            <a:r>
-              <a:rPr lang="en-US" dirty="0" smtClean="0"/>
-              <a:t> index sensor module</a:t>
-            </a:r>
-          </a:p>
-          <a:p>
-            <a:r>
-              <a:rPr lang="en-IN" dirty="0" smtClean="0">
-                <a:hlinkClick r:id="rId4"/>
-              </a:rPr>
-              <a:t>https://</a:t>
-            </a:r>
-            <a:r>
-              <a:rPr lang="en-IN" dirty="0" smtClean="0">
-                <a:hlinkClick r:id="rId4"/>
-              </a:rPr>
-              <a:t>www.youtube.com/watch?v=vJct0vD6WWg&amp;feature=youtu.be</a:t>
-            </a:r>
-            <a:endParaRPr lang="en-IN" dirty="0" smtClean="0"/>
-          </a:p>
-          <a:p>
-            <a:endParaRPr lang="en-IN" dirty="0"/>
-          </a:p>
-        </p:txBody>
-      </p:sp>
-      <p:sp>
-        <p:nvSpPr>
-          <p:cNvPr id="3" name="Title 2"/>
-          <p:cNvSpPr>
-            <a:spLocks noGrp="1"/>
-          </p:cNvSpPr>
-          <p:nvPr>
-            <p:ph type="title"/>
-          </p:nvPr>
-        </p:nvSpPr>
-        <p:spPr/>
-        <p:txBody>
-          <a:bodyPr/>
-          <a:lstStyle/>
-          <a:p>
-            <a:r>
-              <a:rPr lang="en-IN" dirty="0" smtClean="0"/>
-              <a:t>References</a:t>
+              <a:t>Testing of dht11 sensor module</a:t>
             </a:r>
             <a:endParaRPr lang="en-IN" dirty="0"/>
           </a:p>
@@ -9087,14 +9070,37 @@
           <a:chExt cx="0" cy="0"/>
         </a:xfrm>
       </p:grpSpPr>
-      <p:sp>
-        <p:nvSpPr>
-          <p:cNvPr id="2" name="Content Placeholder 1"/>
-          <p:cNvSpPr>
-            <a:spLocks noGrp="1"/>
-          </p:cNvSpPr>
+      <p:pic>
+        <p:nvPicPr>
+          <p:cNvPr id="4" name="Content Placeholder 3" descr="IMG_2507.jpg"/>
+          <p:cNvPicPr>
+            <a:picLocks noGrp="1" noChangeAspect="1"/>
+          </p:cNvPicPr>
           <p:nvPr>
             <p:ph idx="1"/>
+          </p:nvPr>
+        </p:nvPicPr>
+        <p:blipFill>
+          <a:blip r:embed="rId2" cstate="print"/>
+          <a:stretch>
+            <a:fillRect/>
+          </a:stretch>
+        </p:blipFill>
+        <p:spPr>
+          <a:xfrm>
+            <a:off x="1554692" y="1481138"/>
+            <a:ext cx="6034616" cy="4525962"/>
+          </a:xfrm>
+        </p:spPr>
+      </p:pic>
+      <p:sp>
+        <p:nvSpPr>
+          <p:cNvPr id="3" name="Title 2"/>
+          <p:cNvSpPr>
+            <a:spLocks noGrp="1"/>
+          </p:cNvSpPr>
+          <p:nvPr>
+            <p:ph type="title"/>
           </p:nvPr>
         </p:nvSpPr>
         <p:spPr/>
@@ -9104,105 +9110,7 @@
           <a:p>
             <a:r>
               <a:rPr lang="en-IN" dirty="0" smtClean="0"/>
-              <a:t>For 16*2 </a:t>
-            </a:r>
-            <a:r>
-              <a:rPr lang="en-IN" dirty="0" err="1" smtClean="0"/>
-              <a:t>lcd</a:t>
-            </a:r>
-            <a:r>
-              <a:rPr lang="en-IN" dirty="0" smtClean="0"/>
-              <a:t> display</a:t>
-            </a:r>
-          </a:p>
-          <a:p>
-            <a:r>
-              <a:rPr lang="en-IN" dirty="0" smtClean="0">
-                <a:hlinkClick r:id="rId2"/>
-              </a:rPr>
-              <a:t>http://</a:t>
-            </a:r>
-            <a:r>
-              <a:rPr lang="en-IN" dirty="0" smtClean="0">
-                <a:hlinkClick r:id="rId2"/>
-              </a:rPr>
-              <a:t>www.dsdtech-global.com/2018/05/iic-oled-lcd-u8glib.html</a:t>
-            </a:r>
-            <a:endParaRPr lang="en-IN" dirty="0" smtClean="0"/>
-          </a:p>
-          <a:p>
-            <a:r>
-              <a:rPr lang="en-IN" dirty="0" smtClean="0"/>
-              <a:t>For </a:t>
-            </a:r>
-            <a:r>
-              <a:rPr lang="en-IN" dirty="0" err="1" smtClean="0"/>
-              <a:t>gsm</a:t>
-            </a:r>
-            <a:r>
-              <a:rPr lang="en-IN" dirty="0" smtClean="0"/>
-              <a:t> module </a:t>
-            </a:r>
-          </a:p>
-          <a:p>
-            <a:r>
-              <a:rPr lang="en-IN" dirty="0" smtClean="0"/>
-              <a:t>astminuteengineers.com/sim900-gsm-shield-arduino-tutorial</a:t>
-            </a:r>
-            <a:r>
-              <a:rPr lang="en-IN" dirty="0" smtClean="0"/>
-              <a:t>/</a:t>
-            </a:r>
-          </a:p>
-          <a:p>
-            <a:r>
-              <a:rPr lang="en-IN" dirty="0" smtClean="0"/>
-              <a:t>For digital </a:t>
-            </a:r>
-            <a:r>
-              <a:rPr lang="en-IN" dirty="0" err="1" smtClean="0"/>
-              <a:t>multimeter</a:t>
-            </a:r>
-            <a:endParaRPr lang="en-IN" dirty="0" smtClean="0"/>
-          </a:p>
-          <a:p>
-            <a:r>
-              <a:rPr lang="en-IN" dirty="0" smtClean="0">
-                <a:hlinkClick r:id="rId3"/>
-              </a:rPr>
-              <a:t>https://</a:t>
-            </a:r>
-            <a:r>
-              <a:rPr lang="en-IN" dirty="0" smtClean="0">
-                <a:hlinkClick r:id="rId3"/>
-              </a:rPr>
-              <a:t>youtu.be/TdUK6RPdIrA</a:t>
-            </a:r>
-            <a:endParaRPr lang="en-IN" dirty="0" smtClean="0"/>
-          </a:p>
-          <a:p>
-            <a:endParaRPr lang="en-IN" dirty="0"/>
-          </a:p>
-        </p:txBody>
-      </p:sp>
-      <p:sp>
-        <p:nvSpPr>
-          <p:cNvPr id="3" name="Title 2"/>
-          <p:cNvSpPr>
-            <a:spLocks noGrp="1"/>
-          </p:cNvSpPr>
-          <p:nvPr>
-            <p:ph type="title"/>
-          </p:nvPr>
-        </p:nvSpPr>
-        <p:spPr/>
-        <p:txBody>
-          <a:bodyPr/>
-          <a:lstStyle/>
-          <a:p>
-            <a:r>
-              <a:rPr lang="en-IN" dirty="0" smtClean="0"/>
-              <a:t>reference</a:t>
+              <a:t>Connections image</a:t>
             </a:r>
             <a:endParaRPr lang="en-IN" dirty="0"/>
           </a:p>
@@ -9330,31 +9238,869 @@
         </p:nvSpPr>
         <p:spPr/>
         <p:txBody>
+          <a:bodyPr/>
+          <a:lstStyle/>
+          <a:p>
+            <a:r>
+              <a:rPr lang="en-IN" dirty="0" smtClean="0"/>
+              <a:t>So the sensor here got 3 pins</a:t>
+            </a:r>
+          </a:p>
+          <a:p>
+            <a:r>
+              <a:rPr lang="en-IN" dirty="0" err="1" smtClean="0"/>
+              <a:t>Vcc</a:t>
+            </a:r>
+            <a:r>
+              <a:rPr lang="en-IN" dirty="0" smtClean="0"/>
+              <a:t> ---- 5v of </a:t>
+            </a:r>
+            <a:r>
+              <a:rPr lang="en-IN" dirty="0" err="1" smtClean="0"/>
+              <a:t>arduino</a:t>
+            </a:r>
+            <a:endParaRPr lang="en-IN" dirty="0" smtClean="0"/>
+          </a:p>
+          <a:p>
+            <a:r>
+              <a:rPr lang="en-IN" dirty="0" smtClean="0"/>
+              <a:t>Ground --- ground of </a:t>
+            </a:r>
+            <a:r>
+              <a:rPr lang="en-IN" dirty="0" err="1" smtClean="0"/>
+              <a:t>arduino</a:t>
+            </a:r>
+            <a:endParaRPr lang="en-IN" dirty="0" smtClean="0"/>
+          </a:p>
+          <a:p>
+            <a:r>
+              <a:rPr lang="en-IN" dirty="0" smtClean="0"/>
+              <a:t>Data pin – data pin 3 in </a:t>
+            </a:r>
+            <a:r>
+              <a:rPr lang="en-IN" dirty="0" err="1" smtClean="0"/>
+              <a:t>arduino</a:t>
+            </a:r>
+            <a:endParaRPr lang="en-IN" dirty="0"/>
+          </a:p>
+        </p:txBody>
+      </p:sp>
+      <p:sp>
+        <p:nvSpPr>
+          <p:cNvPr id="3" name="Title 2"/>
+          <p:cNvSpPr>
+            <a:spLocks noGrp="1"/>
+          </p:cNvSpPr>
+          <p:nvPr>
+            <p:ph type="title"/>
+          </p:nvPr>
+        </p:nvSpPr>
+        <p:spPr/>
+        <p:txBody>
+          <a:bodyPr/>
+          <a:lstStyle/>
+          <a:p>
+            <a:r>
+              <a:rPr lang="en-IN" dirty="0" smtClean="0"/>
+              <a:t>Connections </a:t>
+            </a:r>
+            <a:endParaRPr lang="en-IN" dirty="0"/>
+          </a:p>
+        </p:txBody>
+      </p:sp>
+    </p:spTree>
+  </p:cSld>
+  <p:clrMapOvr>
+    <a:masterClrMapping/>
+  </p:clrMapOvr>
+</p:sld>
+</file>
+
+<file path=ppt/slides/slide41.xml><?xml version="1.0" encoding="utf-8"?>
+<p:sld xmlns:a="http://schemas.openxmlformats.org/drawingml/2006/main" xmlns:r="http://schemas.openxmlformats.org/officeDocument/2006/relationships" xmlns:p="http://schemas.openxmlformats.org/presentationml/2006/main">
+  <p:cSld>
+    <p:spTree>
+      <p:nvGrpSpPr>
+        <p:cNvPr id="1" name=""/>
+        <p:cNvGrpSpPr/>
+        <p:nvPr/>
+      </p:nvGrpSpPr>
+      <p:grpSpPr>
+        <a:xfrm>
+          <a:off x="0" y="0"/>
+          <a:ext cx="0" cy="0"/>
+          <a:chOff x="0" y="0"/>
+          <a:chExt cx="0" cy="0"/>
+        </a:xfrm>
+      </p:grpSpPr>
+      <p:sp>
+        <p:nvSpPr>
+          <p:cNvPr id="2" name="Content Placeholder 1"/>
+          <p:cNvSpPr>
+            <a:spLocks noGrp="1"/>
+          </p:cNvSpPr>
+          <p:nvPr>
+            <p:ph idx="1"/>
+          </p:nvPr>
+        </p:nvSpPr>
+        <p:spPr/>
+        <p:txBody>
+          <a:bodyPr/>
+          <a:lstStyle/>
+          <a:p>
+            <a:r>
+              <a:rPr lang="en-IN" dirty="0" smtClean="0"/>
+              <a:t>After making </a:t>
+            </a:r>
+            <a:r>
+              <a:rPr lang="en-IN" dirty="0" err="1" smtClean="0"/>
+              <a:t>succesfull</a:t>
+            </a:r>
+            <a:r>
+              <a:rPr lang="en-IN" dirty="0" smtClean="0"/>
+              <a:t> connections downloaded a zip file from the website which has </a:t>
+            </a:r>
+            <a:r>
+              <a:rPr lang="en-IN" dirty="0" err="1" smtClean="0"/>
+              <a:t>dht</a:t>
+            </a:r>
+            <a:r>
+              <a:rPr lang="en-IN" dirty="0" smtClean="0"/>
+              <a:t> library.</a:t>
+            </a:r>
+          </a:p>
+          <a:p>
+            <a:r>
+              <a:rPr lang="en-IN" dirty="0" smtClean="0"/>
+              <a:t>Then after adding the library to the </a:t>
+            </a:r>
+            <a:r>
+              <a:rPr lang="en-IN" dirty="0" err="1" smtClean="0"/>
+              <a:t>arduino</a:t>
+            </a:r>
+            <a:r>
+              <a:rPr lang="en-IN" dirty="0" smtClean="0"/>
+              <a:t> </a:t>
+            </a:r>
+            <a:r>
+              <a:rPr lang="en-IN" dirty="0" err="1" smtClean="0"/>
+              <a:t>ide</a:t>
+            </a:r>
+            <a:r>
+              <a:rPr lang="en-IN" dirty="0" smtClean="0"/>
+              <a:t> we are ready to compile the program</a:t>
+            </a:r>
+          </a:p>
+          <a:p>
+            <a:r>
+              <a:rPr lang="en-IN" dirty="0" smtClean="0"/>
+              <a:t>After compiling the program one can see the readings in serial monitor</a:t>
+            </a:r>
+            <a:endParaRPr lang="en-IN" dirty="0"/>
+          </a:p>
+        </p:txBody>
+      </p:sp>
+      <p:sp>
+        <p:nvSpPr>
+          <p:cNvPr id="3" name="Title 2"/>
+          <p:cNvSpPr>
+            <a:spLocks noGrp="1"/>
+          </p:cNvSpPr>
+          <p:nvPr>
+            <p:ph type="title"/>
+          </p:nvPr>
+        </p:nvSpPr>
+        <p:spPr/>
+        <p:txBody>
+          <a:bodyPr/>
+          <a:lstStyle/>
+          <a:p>
+            <a:r>
+              <a:rPr lang="en-IN" dirty="0" smtClean="0"/>
+              <a:t>continuation</a:t>
+            </a:r>
+            <a:endParaRPr lang="en-IN" dirty="0"/>
+          </a:p>
+        </p:txBody>
+      </p:sp>
+    </p:spTree>
+  </p:cSld>
+  <p:clrMapOvr>
+    <a:masterClrMapping/>
+  </p:clrMapOvr>
+</p:sld>
+</file>
+
+<file path=ppt/slides/slide42.xml><?xml version="1.0" encoding="utf-8"?>
+<p:sld xmlns:a="http://schemas.openxmlformats.org/drawingml/2006/main" xmlns:r="http://schemas.openxmlformats.org/officeDocument/2006/relationships" xmlns:p="http://schemas.openxmlformats.org/presentationml/2006/main">
+  <p:cSld>
+    <p:spTree>
+      <p:nvGrpSpPr>
+        <p:cNvPr id="1" name=""/>
+        <p:cNvGrpSpPr/>
+        <p:nvPr/>
+      </p:nvGrpSpPr>
+      <p:grpSpPr>
+        <a:xfrm>
+          <a:off x="0" y="0"/>
+          <a:ext cx="0" cy="0"/>
+          <a:chOff x="0" y="0"/>
+          <a:chExt cx="0" cy="0"/>
+        </a:xfrm>
+      </p:grpSpPr>
+      <p:pic>
+        <p:nvPicPr>
+          <p:cNvPr id="4" name="Content Placeholder 3" descr="2021-02-28 21_11_46-DHT_Test _ Arduino 1.8.13.png"/>
+          <p:cNvPicPr>
+            <a:picLocks noGrp="1" noChangeAspect="1"/>
+          </p:cNvPicPr>
+          <p:nvPr>
+            <p:ph idx="1"/>
+          </p:nvPr>
+        </p:nvPicPr>
+        <p:blipFill>
+          <a:blip r:embed="rId2" cstate="print"/>
+          <a:stretch>
+            <a:fillRect/>
+          </a:stretch>
+        </p:blipFill>
+        <p:spPr>
+          <a:xfrm>
+            <a:off x="457200" y="1596350"/>
+            <a:ext cx="8229600" cy="4295538"/>
+          </a:xfrm>
+        </p:spPr>
+      </p:pic>
+      <p:sp>
+        <p:nvSpPr>
+          <p:cNvPr id="3" name="Title 2"/>
+          <p:cNvSpPr>
+            <a:spLocks noGrp="1"/>
+          </p:cNvSpPr>
+          <p:nvPr>
+            <p:ph type="title"/>
+          </p:nvPr>
+        </p:nvSpPr>
+        <p:spPr/>
+        <p:txBody>
+          <a:bodyPr/>
+          <a:lstStyle/>
+          <a:p>
+            <a:r>
+              <a:rPr lang="en-IN" dirty="0" smtClean="0"/>
+              <a:t>output</a:t>
+            </a:r>
+            <a:endParaRPr lang="en-IN" dirty="0"/>
+          </a:p>
+        </p:txBody>
+      </p:sp>
+    </p:spTree>
+  </p:cSld>
+  <p:clrMapOvr>
+    <a:masterClrMapping/>
+  </p:clrMapOvr>
+</p:sld>
+</file>
+
+<file path=ppt/slides/slide43.xml><?xml version="1.0" encoding="utf-8"?>
+<p:sld xmlns:a="http://schemas.openxmlformats.org/drawingml/2006/main" xmlns:r="http://schemas.openxmlformats.org/officeDocument/2006/relationships" xmlns:p="http://schemas.openxmlformats.org/presentationml/2006/main">
+  <p:cSld>
+    <p:spTree>
+      <p:nvGrpSpPr>
+        <p:cNvPr id="1" name=""/>
+        <p:cNvGrpSpPr/>
+        <p:nvPr/>
+      </p:nvGrpSpPr>
+      <p:grpSpPr>
+        <a:xfrm>
+          <a:off x="0" y="0"/>
+          <a:ext cx="0" cy="0"/>
+          <a:chOff x="0" y="0"/>
+          <a:chExt cx="0" cy="0"/>
+        </a:xfrm>
+      </p:grpSpPr>
+      <p:sp>
+        <p:nvSpPr>
+          <p:cNvPr id="2" name="Content Placeholder 1"/>
+          <p:cNvSpPr>
+            <a:spLocks noGrp="1"/>
+          </p:cNvSpPr>
+          <p:nvPr>
+            <p:ph idx="1"/>
+          </p:nvPr>
+        </p:nvSpPr>
+        <p:spPr/>
+        <p:txBody>
+          <a:bodyPr/>
+          <a:lstStyle/>
+          <a:p>
+            <a:r>
+              <a:rPr lang="en-IN" dirty="0" smtClean="0"/>
+              <a:t>Testing requirements</a:t>
+            </a:r>
+          </a:p>
+          <a:p>
+            <a:r>
+              <a:rPr lang="en-IN" dirty="0" err="1" smtClean="0"/>
+              <a:t>Beaglebonebalck</a:t>
+            </a:r>
+            <a:r>
+              <a:rPr lang="en-IN" dirty="0" smtClean="0"/>
+              <a:t> wireless</a:t>
+            </a:r>
+          </a:p>
+          <a:p>
+            <a:r>
+              <a:rPr lang="en-IN" dirty="0" err="1" smtClean="0"/>
+              <a:t>Usb</a:t>
+            </a:r>
+            <a:r>
+              <a:rPr lang="en-IN" dirty="0" smtClean="0"/>
+              <a:t> cable</a:t>
+            </a:r>
+          </a:p>
+          <a:p>
+            <a:r>
+              <a:rPr lang="en-IN" dirty="0" smtClean="0"/>
+              <a:t>Linux </a:t>
+            </a:r>
+            <a:r>
+              <a:rPr lang="en-IN" dirty="0" err="1" smtClean="0"/>
+              <a:t>os</a:t>
+            </a:r>
+            <a:endParaRPr lang="en-IN" dirty="0" smtClean="0"/>
+          </a:p>
+          <a:p>
+            <a:endParaRPr lang="en-IN" dirty="0"/>
+          </a:p>
+        </p:txBody>
+      </p:sp>
+      <p:sp>
+        <p:nvSpPr>
+          <p:cNvPr id="3" name="Title 2"/>
+          <p:cNvSpPr>
+            <a:spLocks noGrp="1"/>
+          </p:cNvSpPr>
+          <p:nvPr>
+            <p:ph type="title"/>
+          </p:nvPr>
+        </p:nvSpPr>
+        <p:spPr/>
+        <p:txBody>
+          <a:bodyPr/>
+          <a:lstStyle/>
+          <a:p>
+            <a:r>
+              <a:rPr lang="en-IN" dirty="0" err="1" smtClean="0"/>
+              <a:t>Beaglebone</a:t>
+            </a:r>
+            <a:r>
+              <a:rPr lang="en-IN" dirty="0" smtClean="0"/>
+              <a:t> black wireless</a:t>
+            </a:r>
+            <a:endParaRPr lang="en-IN" dirty="0"/>
+          </a:p>
+        </p:txBody>
+      </p:sp>
+    </p:spTree>
+  </p:cSld>
+  <p:clrMapOvr>
+    <a:masterClrMapping/>
+  </p:clrMapOvr>
+</p:sld>
+</file>
+
+<file path=ppt/slides/slide44.xml><?xml version="1.0" encoding="utf-8"?>
+<p:sld xmlns:a="http://schemas.openxmlformats.org/drawingml/2006/main" xmlns:r="http://schemas.openxmlformats.org/officeDocument/2006/relationships" xmlns:p="http://schemas.openxmlformats.org/presentationml/2006/main">
+  <p:cSld>
+    <p:spTree>
+      <p:nvGrpSpPr>
+        <p:cNvPr id="1" name=""/>
+        <p:cNvGrpSpPr/>
+        <p:nvPr/>
+      </p:nvGrpSpPr>
+      <p:grpSpPr>
+        <a:xfrm>
+          <a:off x="0" y="0"/>
+          <a:ext cx="0" cy="0"/>
+          <a:chOff x="0" y="0"/>
+          <a:chExt cx="0" cy="0"/>
+        </a:xfrm>
+      </p:grpSpPr>
+      <p:sp>
+        <p:nvSpPr>
+          <p:cNvPr id="2" name="Content Placeholder 1"/>
+          <p:cNvSpPr>
+            <a:spLocks noGrp="1"/>
+          </p:cNvSpPr>
+          <p:nvPr>
+            <p:ph idx="1"/>
+          </p:nvPr>
+        </p:nvSpPr>
+        <p:spPr/>
+        <p:txBody>
+          <a:bodyPr/>
+          <a:lstStyle/>
+          <a:p>
+            <a:r>
+              <a:rPr lang="en-IN" dirty="0" smtClean="0"/>
+              <a:t>The </a:t>
+            </a:r>
+            <a:r>
+              <a:rPr lang="en-IN" dirty="0" err="1" smtClean="0"/>
+              <a:t>beaglebonewireless</a:t>
+            </a:r>
+            <a:r>
+              <a:rPr lang="en-IN" dirty="0" smtClean="0"/>
+              <a:t> is a up gradation from </a:t>
+            </a:r>
+            <a:r>
+              <a:rPr lang="en-IN" dirty="0" err="1" smtClean="0"/>
+              <a:t>beagleboneblack</a:t>
+            </a:r>
+            <a:r>
+              <a:rPr lang="en-IN" dirty="0" smtClean="0"/>
+              <a:t> by replacing the 10/100 Ethernet port with onboard 802.11 b/g/n 2.4GHz </a:t>
+            </a:r>
+            <a:r>
+              <a:rPr lang="en-IN" dirty="0" err="1" smtClean="0"/>
+              <a:t>WiFi</a:t>
+            </a:r>
+            <a:r>
+              <a:rPr lang="en-IN" dirty="0" smtClean="0"/>
+              <a:t> and Bluetooth.</a:t>
+            </a:r>
+          </a:p>
+          <a:p>
+            <a:r>
+              <a:rPr lang="en-IN" dirty="0" smtClean="0"/>
+              <a:t>For testing the </a:t>
+            </a:r>
+            <a:r>
+              <a:rPr lang="en-IN" dirty="0" err="1" smtClean="0"/>
+              <a:t>beaglebone</a:t>
+            </a:r>
+            <a:r>
+              <a:rPr lang="en-IN" dirty="0" smtClean="0"/>
+              <a:t> wireless used this commands</a:t>
+            </a:r>
+          </a:p>
+          <a:p>
+            <a:r>
+              <a:rPr lang="en-IN" dirty="0" err="1" smtClean="0"/>
+              <a:t>Ssh</a:t>
+            </a:r>
+            <a:r>
+              <a:rPr lang="en-IN" dirty="0" smtClean="0"/>
+              <a:t> </a:t>
+            </a:r>
+            <a:r>
+              <a:rPr lang="en-IN" dirty="0" smtClean="0">
+                <a:hlinkClick r:id="rId2"/>
+              </a:rPr>
+              <a:t>debian@192.168.7.2</a:t>
+            </a:r>
+            <a:endParaRPr lang="en-IN" dirty="0" smtClean="0"/>
+          </a:p>
+          <a:p>
+            <a:pPr>
+              <a:buNone/>
+            </a:pPr>
+            <a:r>
+              <a:rPr lang="en-IN" dirty="0" smtClean="0"/>
+              <a:t>It will give access as a root user</a:t>
+            </a:r>
+            <a:endParaRPr lang="en-IN" dirty="0"/>
+          </a:p>
+        </p:txBody>
+      </p:sp>
+      <p:sp>
+        <p:nvSpPr>
+          <p:cNvPr id="3" name="Title 2"/>
+          <p:cNvSpPr>
+            <a:spLocks noGrp="1"/>
+          </p:cNvSpPr>
+          <p:nvPr>
+            <p:ph type="title"/>
+          </p:nvPr>
+        </p:nvSpPr>
+        <p:spPr/>
+        <p:txBody>
+          <a:bodyPr/>
+          <a:lstStyle/>
+          <a:p>
+            <a:r>
+              <a:rPr lang="en-IN" dirty="0" err="1" smtClean="0"/>
+              <a:t>Bbb</a:t>
+            </a:r>
+            <a:r>
+              <a:rPr lang="en-IN" dirty="0" smtClean="0"/>
+              <a:t> wireless</a:t>
+            </a:r>
+            <a:endParaRPr lang="en-IN" dirty="0"/>
+          </a:p>
+        </p:txBody>
+      </p:sp>
+    </p:spTree>
+  </p:cSld>
+  <p:clrMapOvr>
+    <a:masterClrMapping/>
+  </p:clrMapOvr>
+</p:sld>
+</file>
+
+<file path=ppt/slides/slide45.xml><?xml version="1.0" encoding="utf-8"?>
+<p:sld xmlns:a="http://schemas.openxmlformats.org/drawingml/2006/main" xmlns:r="http://schemas.openxmlformats.org/officeDocument/2006/relationships" xmlns:p="http://schemas.openxmlformats.org/presentationml/2006/main">
+  <p:cSld>
+    <p:spTree>
+      <p:nvGrpSpPr>
+        <p:cNvPr id="1" name=""/>
+        <p:cNvGrpSpPr/>
+        <p:nvPr/>
+      </p:nvGrpSpPr>
+      <p:grpSpPr>
+        <a:xfrm>
+          <a:off x="0" y="0"/>
+          <a:ext cx="0" cy="0"/>
+          <a:chOff x="0" y="0"/>
+          <a:chExt cx="0" cy="0"/>
+        </a:xfrm>
+      </p:grpSpPr>
+      <p:pic>
+        <p:nvPicPr>
+          <p:cNvPr id="4" name="Content Placeholder 3" descr="Screenshot from 2021-03-01 01-42-34.png"/>
+          <p:cNvPicPr>
+            <a:picLocks noGrp="1" noChangeAspect="1"/>
+          </p:cNvPicPr>
+          <p:nvPr>
+            <p:ph idx="1"/>
+          </p:nvPr>
+        </p:nvPicPr>
+        <p:blipFill>
+          <a:blip r:embed="rId2" cstate="print"/>
+          <a:stretch>
+            <a:fillRect/>
+          </a:stretch>
+        </p:blipFill>
+        <p:spPr>
+          <a:xfrm>
+            <a:off x="546958" y="1481138"/>
+            <a:ext cx="8050083" cy="4525962"/>
+          </a:xfrm>
+        </p:spPr>
+      </p:pic>
+      <p:sp>
+        <p:nvSpPr>
+          <p:cNvPr id="3" name="Title 2"/>
+          <p:cNvSpPr>
+            <a:spLocks noGrp="1"/>
+          </p:cNvSpPr>
+          <p:nvPr>
+            <p:ph type="title"/>
+          </p:nvPr>
+        </p:nvSpPr>
+        <p:spPr/>
+        <p:txBody>
+          <a:bodyPr/>
+          <a:lstStyle/>
+          <a:p>
+            <a:r>
+              <a:rPr lang="en-IN" dirty="0" err="1" smtClean="0"/>
+              <a:t>Bbb</a:t>
+            </a:r>
+            <a:r>
+              <a:rPr lang="en-IN" dirty="0" smtClean="0"/>
+              <a:t> wireless</a:t>
+            </a:r>
+            <a:endParaRPr lang="en-IN" dirty="0"/>
+          </a:p>
+        </p:txBody>
+      </p:sp>
+    </p:spTree>
+  </p:cSld>
+  <p:clrMapOvr>
+    <a:masterClrMapping/>
+  </p:clrMapOvr>
+</p:sld>
+</file>
+
+<file path=ppt/slides/slide46.xml><?xml version="1.0" encoding="utf-8"?>
+<p:sld xmlns:a="http://schemas.openxmlformats.org/drawingml/2006/main" xmlns:r="http://schemas.openxmlformats.org/officeDocument/2006/relationships" xmlns:p="http://schemas.openxmlformats.org/presentationml/2006/main">
+  <p:cSld>
+    <p:spTree>
+      <p:nvGrpSpPr>
+        <p:cNvPr id="1" name=""/>
+        <p:cNvGrpSpPr/>
+        <p:nvPr/>
+      </p:nvGrpSpPr>
+      <p:grpSpPr>
+        <a:xfrm>
+          <a:off x="0" y="0"/>
+          <a:ext cx="0" cy="0"/>
+          <a:chOff x="0" y="0"/>
+          <a:chExt cx="0" cy="0"/>
+        </a:xfrm>
+      </p:grpSpPr>
+      <p:pic>
+        <p:nvPicPr>
+          <p:cNvPr id="4" name="Content Placeholder 3" descr="Screenshot from 2021-03-01 01-43-32.png"/>
+          <p:cNvPicPr>
+            <a:picLocks noGrp="1" noChangeAspect="1"/>
+          </p:cNvPicPr>
+          <p:nvPr>
+            <p:ph idx="1"/>
+          </p:nvPr>
+        </p:nvPicPr>
+        <p:blipFill>
+          <a:blip r:embed="rId2" cstate="print"/>
+          <a:stretch>
+            <a:fillRect/>
+          </a:stretch>
+        </p:blipFill>
+        <p:spPr>
+          <a:xfrm>
+            <a:off x="521829" y="1481138"/>
+            <a:ext cx="8100342" cy="4525962"/>
+          </a:xfrm>
+        </p:spPr>
+      </p:pic>
+      <p:sp>
+        <p:nvSpPr>
+          <p:cNvPr id="3" name="Title 2"/>
+          <p:cNvSpPr>
+            <a:spLocks noGrp="1"/>
+          </p:cNvSpPr>
+          <p:nvPr>
+            <p:ph type="title"/>
+          </p:nvPr>
+        </p:nvSpPr>
+        <p:spPr/>
+        <p:txBody>
+          <a:bodyPr/>
+          <a:lstStyle/>
+          <a:p>
+            <a:r>
+              <a:rPr lang="en-IN" dirty="0" err="1" smtClean="0"/>
+              <a:t>Bbb</a:t>
+            </a:r>
+            <a:r>
+              <a:rPr lang="en-IN" dirty="0" smtClean="0"/>
+              <a:t> wireless </a:t>
+            </a:r>
+            <a:r>
+              <a:rPr lang="en-IN" dirty="0" err="1" smtClean="0"/>
+              <a:t>wifi</a:t>
+            </a:r>
+            <a:r>
+              <a:rPr lang="en-IN" dirty="0" smtClean="0"/>
+              <a:t> connection</a:t>
+            </a:r>
+            <a:endParaRPr lang="en-IN" dirty="0"/>
+          </a:p>
+        </p:txBody>
+      </p:sp>
+    </p:spTree>
+  </p:cSld>
+  <p:clrMapOvr>
+    <a:masterClrMapping/>
+  </p:clrMapOvr>
+</p:sld>
+</file>
+
+<file path=ppt/slides/slide47.xml><?xml version="1.0" encoding="utf-8"?>
+<p:sld xmlns:a="http://schemas.openxmlformats.org/drawingml/2006/main" xmlns:r="http://schemas.openxmlformats.org/officeDocument/2006/relationships" xmlns:p="http://schemas.openxmlformats.org/presentationml/2006/main">
+  <p:cSld>
+    <p:spTree>
+      <p:nvGrpSpPr>
+        <p:cNvPr id="1" name=""/>
+        <p:cNvGrpSpPr/>
+        <p:nvPr/>
+      </p:nvGrpSpPr>
+      <p:grpSpPr>
+        <a:xfrm>
+          <a:off x="0" y="0"/>
+          <a:ext cx="0" cy="0"/>
+          <a:chOff x="0" y="0"/>
+          <a:chExt cx="0" cy="0"/>
+        </a:xfrm>
+      </p:grpSpPr>
+      <p:pic>
+        <p:nvPicPr>
+          <p:cNvPr id="4" name="Content Placeholder 3" descr="Screenshot from 2021-03-01 01-44-06.png"/>
+          <p:cNvPicPr>
+            <a:picLocks noGrp="1" noChangeAspect="1"/>
+          </p:cNvPicPr>
+          <p:nvPr>
+            <p:ph idx="1"/>
+          </p:nvPr>
+        </p:nvPicPr>
+        <p:blipFill>
+          <a:blip r:embed="rId2" cstate="print"/>
+          <a:stretch>
+            <a:fillRect/>
+          </a:stretch>
+        </p:blipFill>
+        <p:spPr>
+          <a:xfrm>
+            <a:off x="665099" y="1481138"/>
+            <a:ext cx="7813801" cy="4525962"/>
+          </a:xfrm>
+        </p:spPr>
+      </p:pic>
+      <p:sp>
+        <p:nvSpPr>
+          <p:cNvPr id="3" name="Title 2"/>
+          <p:cNvSpPr>
+            <a:spLocks noGrp="1"/>
+          </p:cNvSpPr>
+          <p:nvPr>
+            <p:ph type="title"/>
+          </p:nvPr>
+        </p:nvSpPr>
+        <p:spPr/>
+        <p:txBody>
           <a:bodyPr>
-            <a:normAutofit/>
+            <a:normAutofit fontScale="90000"/>
           </a:bodyPr>
           <a:lstStyle/>
           <a:p>
-            <a:pPr algn="ctr"/>
-            <a:endParaRPr lang="en-IN" sz="5400" dirty="0" smtClean="0"/>
-          </a:p>
-          <a:p>
-            <a:pPr algn="ctr"/>
-            <a:endParaRPr lang="en-IN" sz="5400" dirty="0" smtClean="0"/>
-          </a:p>
-          <a:p>
-            <a:pPr algn="ctr">
-              <a:buNone/>
-            </a:pPr>
-            <a:r>
-              <a:rPr lang="en-IN" sz="5400" smtClean="0"/>
-              <a:t>Thank </a:t>
-            </a:r>
-            <a:r>
-              <a:rPr lang="en-IN" sz="5400" dirty="0" smtClean="0"/>
-              <a:t>you</a:t>
-            </a:r>
-            <a:endParaRPr lang="en-IN" sz="5400" dirty="0"/>
+            <a:r>
+              <a:rPr lang="en-IN" dirty="0" err="1" smtClean="0"/>
+              <a:t>Bbb</a:t>
+            </a:r>
+            <a:r>
+              <a:rPr lang="en-IN" dirty="0" smtClean="0"/>
+              <a:t> wireless </a:t>
+            </a:r>
+            <a:r>
+              <a:rPr lang="en-IN" dirty="0" err="1" smtClean="0"/>
+              <a:t>wifi</a:t>
+            </a:r>
+            <a:r>
+              <a:rPr lang="en-IN" dirty="0" smtClean="0"/>
+              <a:t> connection testing </a:t>
+            </a:r>
+            <a:endParaRPr lang="en-IN" dirty="0"/>
+          </a:p>
+        </p:txBody>
+      </p:sp>
+    </p:spTree>
+  </p:cSld>
+  <p:clrMapOvr>
+    <a:masterClrMapping/>
+  </p:clrMapOvr>
+</p:sld>
+</file>
+
+<file path=ppt/slides/slide48.xml><?xml version="1.0" encoding="utf-8"?>
+<p:sld xmlns:a="http://schemas.openxmlformats.org/drawingml/2006/main" xmlns:r="http://schemas.openxmlformats.org/officeDocument/2006/relationships" xmlns:p="http://schemas.openxmlformats.org/presentationml/2006/main">
+  <p:cSld>
+    <p:spTree>
+      <p:nvGrpSpPr>
+        <p:cNvPr id="1" name=""/>
+        <p:cNvGrpSpPr/>
+        <p:nvPr/>
+      </p:nvGrpSpPr>
+      <p:grpSpPr>
+        <a:xfrm>
+          <a:off x="0" y="0"/>
+          <a:ext cx="0" cy="0"/>
+          <a:chOff x="0" y="0"/>
+          <a:chExt cx="0" cy="0"/>
+        </a:xfrm>
+      </p:grpSpPr>
+      <p:sp>
+        <p:nvSpPr>
+          <p:cNvPr id="2" name="Content Placeholder 1"/>
+          <p:cNvSpPr>
+            <a:spLocks noGrp="1"/>
+          </p:cNvSpPr>
+          <p:nvPr>
+            <p:ph idx="1"/>
+          </p:nvPr>
+        </p:nvSpPr>
+        <p:spPr/>
+        <p:txBody>
+          <a:bodyPr>
+            <a:normAutofit lnSpcReduction="10000"/>
+          </a:bodyPr>
+          <a:lstStyle/>
+          <a:p>
+            <a:r>
+              <a:rPr lang="en-IN" dirty="0" smtClean="0"/>
+              <a:t>For </a:t>
+            </a:r>
+            <a:r>
+              <a:rPr lang="en-IN" dirty="0" err="1" smtClean="0"/>
+              <a:t>Arduino</a:t>
+            </a:r>
+            <a:r>
+              <a:rPr lang="en-IN" dirty="0" smtClean="0"/>
+              <a:t> </a:t>
+            </a:r>
+            <a:r>
+              <a:rPr lang="en-IN" dirty="0" err="1" smtClean="0"/>
+              <a:t>uno</a:t>
+            </a:r>
+            <a:r>
+              <a:rPr lang="en-IN" dirty="0" smtClean="0"/>
+              <a:t>.</a:t>
+            </a:r>
+          </a:p>
+          <a:p>
+            <a:r>
+              <a:rPr lang="en-US" dirty="0" smtClean="0">
+                <a:hlinkClick r:id="rId2"/>
+              </a:rPr>
+              <a:t>https://www.arduino.cc/en/Tutorial/BuiltInExamples/Blink</a:t>
+            </a:r>
+          </a:p>
+          <a:p>
+            <a:endParaRPr lang="en-IN" dirty="0" smtClean="0"/>
+          </a:p>
+          <a:p>
+            <a:r>
+              <a:rPr lang="en-IN" dirty="0" smtClean="0"/>
+              <a:t>For rain water sensor module</a:t>
+            </a:r>
+          </a:p>
+          <a:p>
+            <a:r>
+              <a:rPr lang="en-US" dirty="0" smtClean="0">
+                <a:hlinkClick r:id="rId3"/>
+              </a:rPr>
+              <a:t>https://www.instructables.com/Arduino-Modules-Rain-Sensor</a:t>
+            </a:r>
+            <a:endParaRPr lang="en-US" dirty="0" smtClean="0"/>
+          </a:p>
+          <a:p>
+            <a:endParaRPr lang="en-US" dirty="0" smtClean="0"/>
+          </a:p>
+          <a:p>
+            <a:r>
+              <a:rPr lang="en-US" dirty="0" smtClean="0"/>
+              <a:t>For </a:t>
+            </a:r>
+            <a:r>
+              <a:rPr lang="en-US" dirty="0" err="1" smtClean="0"/>
+              <a:t>uv</a:t>
+            </a:r>
+            <a:r>
+              <a:rPr lang="en-US" dirty="0" smtClean="0"/>
+              <a:t> index sensor module</a:t>
+            </a:r>
+          </a:p>
+          <a:p>
+            <a:r>
+              <a:rPr lang="en-IN" dirty="0" smtClean="0">
+                <a:hlinkClick r:id="rId4"/>
+              </a:rPr>
+              <a:t>https://www.youtube.com/watch?v=vJct0vD6WWg&amp;feature=youtu.be</a:t>
+            </a:r>
+            <a:endParaRPr lang="en-IN" dirty="0" smtClean="0"/>
+          </a:p>
+          <a:p>
+            <a:endParaRPr lang="en-IN" dirty="0"/>
           </a:p>
         </p:txBody>
       </p:sp>
@@ -9373,6 +10119,140 @@
           <a:bodyPr/>
           <a:lstStyle/>
           <a:p>
+            <a:r>
+              <a:rPr lang="en-IN" dirty="0" smtClean="0"/>
+              <a:t>References</a:t>
+            </a:r>
+            <a:endParaRPr lang="en-IN" dirty="0"/>
+          </a:p>
+        </p:txBody>
+      </p:sp>
+    </p:spTree>
+  </p:cSld>
+  <p:clrMapOvr>
+    <a:masterClrMapping/>
+  </p:clrMapOvr>
+</p:sld>
+</file>
+
+<file path=ppt/slides/slide49.xml><?xml version="1.0" encoding="utf-8"?>
+<p:sld xmlns:a="http://schemas.openxmlformats.org/drawingml/2006/main" xmlns:r="http://schemas.openxmlformats.org/officeDocument/2006/relationships" xmlns:p="http://schemas.openxmlformats.org/presentationml/2006/main">
+  <p:cSld>
+    <p:spTree>
+      <p:nvGrpSpPr>
+        <p:cNvPr id="1" name=""/>
+        <p:cNvGrpSpPr/>
+        <p:nvPr/>
+      </p:nvGrpSpPr>
+      <p:grpSpPr>
+        <a:xfrm>
+          <a:off x="0" y="0"/>
+          <a:ext cx="0" cy="0"/>
+          <a:chOff x="0" y="0"/>
+          <a:chExt cx="0" cy="0"/>
+        </a:xfrm>
+      </p:grpSpPr>
+      <p:sp>
+        <p:nvSpPr>
+          <p:cNvPr id="2" name="Content Placeholder 1"/>
+          <p:cNvSpPr>
+            <a:spLocks noGrp="1"/>
+          </p:cNvSpPr>
+          <p:nvPr>
+            <p:ph idx="1"/>
+          </p:nvPr>
+        </p:nvSpPr>
+        <p:spPr/>
+        <p:txBody>
+          <a:bodyPr/>
+          <a:lstStyle/>
+          <a:p>
+            <a:r>
+              <a:rPr lang="en-IN" dirty="0" smtClean="0"/>
+              <a:t>For 16*2 </a:t>
+            </a:r>
+            <a:r>
+              <a:rPr lang="en-IN" dirty="0" err="1" smtClean="0"/>
+              <a:t>lcd</a:t>
+            </a:r>
+            <a:r>
+              <a:rPr lang="en-IN" dirty="0" smtClean="0"/>
+              <a:t> display</a:t>
+            </a:r>
+          </a:p>
+          <a:p>
+            <a:r>
+              <a:rPr lang="en-IN" dirty="0" smtClean="0">
+                <a:hlinkClick r:id="rId2"/>
+              </a:rPr>
+              <a:t>http://www.dsdtech-global.com/2018/05/iic-oled-lcd-u8glib.html</a:t>
+            </a:r>
+            <a:endParaRPr lang="en-IN" dirty="0" smtClean="0"/>
+          </a:p>
+          <a:p>
+            <a:r>
+              <a:rPr lang="en-IN" dirty="0" smtClean="0"/>
+              <a:t>For </a:t>
+            </a:r>
+            <a:r>
+              <a:rPr lang="en-IN" dirty="0" err="1" smtClean="0"/>
+              <a:t>gsm</a:t>
+            </a:r>
+            <a:r>
+              <a:rPr lang="en-IN" dirty="0" smtClean="0"/>
+              <a:t> module </a:t>
+            </a:r>
+          </a:p>
+          <a:p>
+            <a:r>
+              <a:rPr lang="en-IN" dirty="0" smtClean="0"/>
+              <a:t>astminuteengineers.com/sim900-gsm-shield-arduino-tutorial/</a:t>
+            </a:r>
+          </a:p>
+          <a:p>
+            <a:r>
+              <a:rPr lang="en-IN" dirty="0" smtClean="0"/>
+              <a:t>For digital </a:t>
+            </a:r>
+            <a:r>
+              <a:rPr lang="en-IN" dirty="0" err="1" smtClean="0"/>
+              <a:t>multimeter</a:t>
+            </a:r>
+            <a:endParaRPr lang="en-IN" dirty="0" smtClean="0"/>
+          </a:p>
+          <a:p>
+            <a:r>
+              <a:rPr lang="en-IN" dirty="0" smtClean="0">
+                <a:hlinkClick r:id="rId3"/>
+              </a:rPr>
+              <a:t>https://youtu.be/TdUK6RPdIrA</a:t>
+            </a:r>
+            <a:endParaRPr lang="en-IN" dirty="0" smtClean="0"/>
+          </a:p>
+          <a:p>
+            <a:endParaRPr lang="en-IN" dirty="0"/>
+          </a:p>
+        </p:txBody>
+      </p:sp>
+      <p:sp>
+        <p:nvSpPr>
+          <p:cNvPr id="3" name="Title 2"/>
+          <p:cNvSpPr>
+            <a:spLocks noGrp="1"/>
+          </p:cNvSpPr>
+          <p:nvPr>
+            <p:ph type="title"/>
+          </p:nvPr>
+        </p:nvSpPr>
+        <p:spPr/>
+        <p:txBody>
+          <a:bodyPr/>
+          <a:lstStyle/>
+          <a:p>
+            <a:r>
+              <a:rPr lang="en-IN" dirty="0" smtClean="0"/>
+              <a:t>reference</a:t>
+            </a:r>
             <a:endParaRPr lang="en-IN" dirty="0"/>
           </a:p>
         </p:txBody>
@@ -9478,6 +10358,204 @@
 </p:sld>
 </file>
 
+<file path=ppt/slides/slide50.xml><?xml version="1.0" encoding="utf-8"?>
+<p:sld xmlns:a="http://schemas.openxmlformats.org/drawingml/2006/main" xmlns:r="http://schemas.openxmlformats.org/officeDocument/2006/relationships" xmlns:p="http://schemas.openxmlformats.org/presentationml/2006/main">
+  <p:cSld>
+    <p:spTree>
+      <p:nvGrpSpPr>
+        <p:cNvPr id="1" name=""/>
+        <p:cNvGrpSpPr/>
+        <p:nvPr/>
+      </p:nvGrpSpPr>
+      <p:grpSpPr>
+        <a:xfrm>
+          <a:off x="0" y="0"/>
+          <a:ext cx="0" cy="0"/>
+          <a:chOff x="0" y="0"/>
+          <a:chExt cx="0" cy="0"/>
+        </a:xfrm>
+      </p:grpSpPr>
+      <p:sp>
+        <p:nvSpPr>
+          <p:cNvPr id="2" name="Content Placeholder 1"/>
+          <p:cNvSpPr>
+            <a:spLocks noGrp="1"/>
+          </p:cNvSpPr>
+          <p:nvPr>
+            <p:ph idx="1"/>
+          </p:nvPr>
+        </p:nvSpPr>
+        <p:spPr/>
+        <p:txBody>
+          <a:bodyPr/>
+          <a:lstStyle/>
+          <a:p>
+            <a:r>
+              <a:rPr lang="en-IN" dirty="0" smtClean="0"/>
+              <a:t>For dht11 </a:t>
+            </a:r>
+          </a:p>
+          <a:p>
+            <a:r>
+              <a:rPr lang="en-IN" dirty="0" smtClean="0">
+                <a:hlinkClick r:id="rId2"/>
+              </a:rPr>
+              <a:t>https://www.electronicwings.com/arduino/dht11-sensor-interfacing-with-arduino-uno</a:t>
+            </a:r>
+            <a:endParaRPr lang="en-IN" dirty="0" smtClean="0"/>
+          </a:p>
+          <a:p>
+            <a:r>
+              <a:rPr lang="en-IN" dirty="0" smtClean="0"/>
+              <a:t>  </a:t>
+            </a:r>
+          </a:p>
+          <a:p>
+            <a:r>
+              <a:rPr lang="en-IN" dirty="0" smtClean="0"/>
+              <a:t>For </a:t>
+            </a:r>
+            <a:r>
+              <a:rPr lang="en-IN" dirty="0" err="1" smtClean="0"/>
+              <a:t>beagleboneblack</a:t>
+            </a:r>
+            <a:r>
+              <a:rPr lang="en-IN" dirty="0" smtClean="0"/>
+              <a:t> wireless</a:t>
+            </a:r>
+          </a:p>
+          <a:p>
+            <a:r>
+              <a:rPr lang="en-IN" dirty="0" smtClean="0">
+                <a:hlinkClick r:id="rId3"/>
+              </a:rPr>
+              <a:t>https://www.fis.gatech.edu/how-to-configure-bbw-wifi</a:t>
+            </a:r>
+            <a:endParaRPr lang="en-IN" dirty="0" smtClean="0"/>
+          </a:p>
+          <a:p>
+            <a:endParaRPr lang="en-IN" dirty="0" smtClean="0"/>
+          </a:p>
+          <a:p>
+            <a:endParaRPr lang="en-IN" dirty="0"/>
+          </a:p>
+        </p:txBody>
+      </p:sp>
+      <p:sp>
+        <p:nvSpPr>
+          <p:cNvPr id="3" name="Title 2"/>
+          <p:cNvSpPr>
+            <a:spLocks noGrp="1"/>
+          </p:cNvSpPr>
+          <p:nvPr>
+            <p:ph type="title"/>
+          </p:nvPr>
+        </p:nvSpPr>
+        <p:spPr/>
+        <p:txBody>
+          <a:bodyPr/>
+          <a:lstStyle/>
+          <a:p>
+            <a:r>
+              <a:rPr lang="en-IN" dirty="0" smtClean="0"/>
+              <a:t>References</a:t>
+            </a:r>
+            <a:endParaRPr lang="en-IN" dirty="0"/>
+          </a:p>
+        </p:txBody>
+      </p:sp>
+    </p:spTree>
+  </p:cSld>
+  <p:clrMapOvr>
+    <a:masterClrMapping/>
+  </p:clrMapOvr>
+</p:sld>
+</file>
+
+<file path=ppt/slides/slide51.xml><?xml version="1.0" encoding="utf-8"?>
+<p:sld xmlns:a="http://schemas.openxmlformats.org/drawingml/2006/main" xmlns:r="http://schemas.openxmlformats.org/officeDocument/2006/relationships" xmlns:p="http://schemas.openxmlformats.org/presentationml/2006/main">
+  <p:cSld>
+    <p:spTree>
+      <p:nvGrpSpPr>
+        <p:cNvPr id="1" name=""/>
+        <p:cNvGrpSpPr/>
+        <p:nvPr/>
+      </p:nvGrpSpPr>
+      <p:grpSpPr>
+        <a:xfrm>
+          <a:off x="0" y="0"/>
+          <a:ext cx="0" cy="0"/>
+          <a:chOff x="0" y="0"/>
+          <a:chExt cx="0" cy="0"/>
+        </a:xfrm>
+      </p:grpSpPr>
+      <p:sp>
+        <p:nvSpPr>
+          <p:cNvPr id="2" name="Content Placeholder 1"/>
+          <p:cNvSpPr>
+            <a:spLocks noGrp="1"/>
+          </p:cNvSpPr>
+          <p:nvPr>
+            <p:ph idx="1"/>
+          </p:nvPr>
+        </p:nvSpPr>
+        <p:spPr/>
+        <p:txBody>
+          <a:bodyPr>
+            <a:normAutofit/>
+          </a:bodyPr>
+          <a:lstStyle/>
+          <a:p>
+            <a:pPr algn="ctr"/>
+            <a:endParaRPr lang="en-IN" sz="5400" dirty="0" smtClean="0"/>
+          </a:p>
+          <a:p>
+            <a:pPr algn="ctr"/>
+            <a:endParaRPr lang="en-IN" sz="5400" dirty="0" smtClean="0"/>
+          </a:p>
+          <a:p>
+            <a:pPr algn="ctr">
+              <a:buNone/>
+            </a:pPr>
+            <a:r>
+              <a:rPr lang="en-IN" sz="5400" smtClean="0"/>
+              <a:t>Thank </a:t>
+            </a:r>
+            <a:r>
+              <a:rPr lang="en-IN" sz="5400" dirty="0" smtClean="0"/>
+              <a:t>you</a:t>
+            </a:r>
+            <a:endParaRPr lang="en-IN" sz="5400" dirty="0"/>
+          </a:p>
+        </p:txBody>
+      </p:sp>
+      <p:sp>
+        <p:nvSpPr>
+          <p:cNvPr id="3" name="Title 2"/>
+          <p:cNvSpPr>
+            <a:spLocks noGrp="1"/>
+          </p:cNvSpPr>
+          <p:nvPr>
+            <p:ph type="title"/>
+          </p:nvPr>
+        </p:nvSpPr>
+        <p:spPr/>
+        <p:txBody>
+          <a:bodyPr/>
+          <a:lstStyle/>
+          <a:p>
+            <a:endParaRPr lang="en-IN" dirty="0"/>
+          </a:p>
+        </p:txBody>
+      </p:sp>
+    </p:spTree>
+  </p:cSld>
+  <p:clrMapOvr>
+    <a:masterClrMapping/>
+  </p:clrMapOvr>
+</p:sld>
+</file>
+
 <file path=ppt/slides/slide6.xml><?xml version="1.0" encoding="utf-8"?>
 <p:sld xmlns:a="http://schemas.openxmlformats.org/drawingml/2006/main" xmlns:r="http://schemas.openxmlformats.org/officeDocument/2006/relationships" xmlns:p="http://schemas.openxmlformats.org/presentationml/2006/main">
   <p:cSld>
@@ -9532,11 +10610,7 @@
             </a:r>
             <a:r>
               <a:rPr lang="en-US" dirty="0" smtClean="0"/>
-              <a:t> community. Libraries give access to live sensor data with single function</a:t>
-            </a:r>
-            <a:r>
-              <a:rPr lang="en-US" dirty="0" smtClean="0"/>
-              <a:t>.</a:t>
+              <a:t> community. Libraries give access to live sensor data with single function.</a:t>
             </a:r>
           </a:p>
           <a:p>
